--- a/Processo/CRISP-DM/Diagramas/CRISP-DM-Analise-de-negocio.pptx
+++ b/Processo/CRISP-DM/Diagramas/CRISP-DM-Analise-de-negocio.pptx
@@ -104,6 +104,11 @@
       </a:defRPr>
     </a:lvl9pPr>
   </p:defaultTextStyle>
+  <p:extLst>
+    <p:ext uri="{EFAFB233-063F-42B5-8137-9DF3F51BA10A}">
+      <p15:sldGuideLst xmlns:p15="http://schemas.microsoft.com/office/powerpoint/2012/main"/>
+    </p:ext>
+  </p:extLst>
 </p:presentation>
 </file>
 
@@ -238,7 +243,7 @@
           <a:p>
             <a:fld id="{4B5AB9DF-E27C-4717-9D6D-F36EBF3560FD}" type="datetimeFigureOut">
               <a:rPr lang="pt-BR" smtClean="0"/>
-              <a:t>16/08/2015</a:t>
+              <a:t>21/09/2015</a:t>
             </a:fld>
             <a:endParaRPr lang="pt-BR"/>
           </a:p>
@@ -408,7 +413,7 @@
           <a:p>
             <a:fld id="{4B5AB9DF-E27C-4717-9D6D-F36EBF3560FD}" type="datetimeFigureOut">
               <a:rPr lang="pt-BR" smtClean="0"/>
-              <a:t>16/08/2015</a:t>
+              <a:t>21/09/2015</a:t>
             </a:fld>
             <a:endParaRPr lang="pt-BR"/>
           </a:p>
@@ -588,7 +593,7 @@
           <a:p>
             <a:fld id="{4B5AB9DF-E27C-4717-9D6D-F36EBF3560FD}" type="datetimeFigureOut">
               <a:rPr lang="pt-BR" smtClean="0"/>
-              <a:t>16/08/2015</a:t>
+              <a:t>21/09/2015</a:t>
             </a:fld>
             <a:endParaRPr lang="pt-BR"/>
           </a:p>
@@ -758,7 +763,7 @@
           <a:p>
             <a:fld id="{4B5AB9DF-E27C-4717-9D6D-F36EBF3560FD}" type="datetimeFigureOut">
               <a:rPr lang="pt-BR" smtClean="0"/>
-              <a:t>16/08/2015</a:t>
+              <a:t>21/09/2015</a:t>
             </a:fld>
             <a:endParaRPr lang="pt-BR"/>
           </a:p>
@@ -1004,7 +1009,7 @@
           <a:p>
             <a:fld id="{4B5AB9DF-E27C-4717-9D6D-F36EBF3560FD}" type="datetimeFigureOut">
               <a:rPr lang="pt-BR" smtClean="0"/>
-              <a:t>16/08/2015</a:t>
+              <a:t>21/09/2015</a:t>
             </a:fld>
             <a:endParaRPr lang="pt-BR"/>
           </a:p>
@@ -1236,7 +1241,7 @@
           <a:p>
             <a:fld id="{4B5AB9DF-E27C-4717-9D6D-F36EBF3560FD}" type="datetimeFigureOut">
               <a:rPr lang="pt-BR" smtClean="0"/>
-              <a:t>16/08/2015</a:t>
+              <a:t>21/09/2015</a:t>
             </a:fld>
             <a:endParaRPr lang="pt-BR"/>
           </a:p>
@@ -1603,7 +1608,7 @@
           <a:p>
             <a:fld id="{4B5AB9DF-E27C-4717-9D6D-F36EBF3560FD}" type="datetimeFigureOut">
               <a:rPr lang="pt-BR" smtClean="0"/>
-              <a:t>16/08/2015</a:t>
+              <a:t>21/09/2015</a:t>
             </a:fld>
             <a:endParaRPr lang="pt-BR"/>
           </a:p>
@@ -1721,7 +1726,7 @@
           <a:p>
             <a:fld id="{4B5AB9DF-E27C-4717-9D6D-F36EBF3560FD}" type="datetimeFigureOut">
               <a:rPr lang="pt-BR" smtClean="0"/>
-              <a:t>16/08/2015</a:t>
+              <a:t>21/09/2015</a:t>
             </a:fld>
             <a:endParaRPr lang="pt-BR"/>
           </a:p>
@@ -1816,7 +1821,7 @@
           <a:p>
             <a:fld id="{4B5AB9DF-E27C-4717-9D6D-F36EBF3560FD}" type="datetimeFigureOut">
               <a:rPr lang="pt-BR" smtClean="0"/>
-              <a:t>16/08/2015</a:t>
+              <a:t>21/09/2015</a:t>
             </a:fld>
             <a:endParaRPr lang="pt-BR"/>
           </a:p>
@@ -2093,7 +2098,7 @@
           <a:p>
             <a:fld id="{4B5AB9DF-E27C-4717-9D6D-F36EBF3560FD}" type="datetimeFigureOut">
               <a:rPr lang="pt-BR" smtClean="0"/>
-              <a:t>16/08/2015</a:t>
+              <a:t>21/09/2015</a:t>
             </a:fld>
             <a:endParaRPr lang="pt-BR"/>
           </a:p>
@@ -2346,7 +2351,7 @@
           <a:p>
             <a:fld id="{4B5AB9DF-E27C-4717-9D6D-F36EBF3560FD}" type="datetimeFigureOut">
               <a:rPr lang="pt-BR" smtClean="0"/>
-              <a:t>16/08/2015</a:t>
+              <a:t>21/09/2015</a:t>
             </a:fld>
             <a:endParaRPr lang="pt-BR"/>
           </a:p>
@@ -2559,7 +2564,7 @@
           <a:p>
             <a:fld id="{4B5AB9DF-E27C-4717-9D6D-F36EBF3560FD}" type="datetimeFigureOut">
               <a:rPr lang="pt-BR" smtClean="0"/>
-              <a:t>16/08/2015</a:t>
+              <a:t>21/09/2015</a:t>
             </a:fld>
             <a:endParaRPr lang="pt-BR"/>
           </a:p>
@@ -3546,7 +3551,39 @@
                   </a:outerShdw>
                 </a:effectLst>
               </a:rPr>
-              <a:t>Determinar objetivos para a Mineração de dados</a:t>
+              <a:t>Determinar </a:t>
+            </a:r>
+            <a:r>
+              <a:rPr lang="pt-BR" sz="800" smtClean="0">
+                <a:ln w="0"/>
+                <a:solidFill>
+                  <a:schemeClr val="tx1"/>
+                </a:solidFill>
+                <a:effectLst>
+                  <a:outerShdw blurRad="38100" dist="19050" dir="2700000" algn="tl" rotWithShape="0">
+                    <a:schemeClr val="dk1">
+                      <a:alpha val="40000"/>
+                    </a:schemeClr>
+                  </a:outerShdw>
+                </a:effectLst>
+              </a:rPr>
+              <a:t>objetivos de Mineração </a:t>
+            </a:r>
+            <a:r>
+              <a:rPr lang="pt-BR" sz="800" dirty="0" smtClean="0">
+                <a:ln w="0"/>
+                <a:solidFill>
+                  <a:schemeClr val="tx1"/>
+                </a:solidFill>
+                <a:effectLst>
+                  <a:outerShdw blurRad="38100" dist="19050" dir="2700000" algn="tl" rotWithShape="0">
+                    <a:schemeClr val="dk1">
+                      <a:alpha val="40000"/>
+                    </a:schemeClr>
+                  </a:outerShdw>
+                </a:effectLst>
+              </a:rPr>
+              <a:t>de dados</a:t>
             </a:r>
             <a:endParaRPr lang="pt-BR" sz="800" dirty="0">
               <a:ln w="0"/>
@@ -3850,7 +3887,7 @@
         </p:nvCxnSpPr>
         <p:spPr>
           <a:xfrm>
-            <a:off x="2042595" y="5034239"/>
+            <a:off x="2075547" y="5034239"/>
             <a:ext cx="280086" cy="277699"/>
           </a:xfrm>
           <a:prstGeom prst="curvedConnector3">
@@ -4084,7 +4121,7 @@
         </p:nvSpPr>
         <p:spPr>
           <a:xfrm>
-            <a:off x="2377644" y="4124956"/>
+            <a:off x="2369406" y="4124956"/>
             <a:ext cx="914400" cy="612648"/>
           </a:xfrm>
           <a:prstGeom prst="flowChartDocument">
@@ -4126,7 +4163,7 @@
                   </a:outerShdw>
                 </a:effectLst>
               </a:rPr>
-              <a:t>Objetivos da Mineração de Dados</a:t>
+              <a:t>Objetivos de Mineração de Dados</a:t>
             </a:r>
             <a:endParaRPr lang="pt-BR" sz="800" dirty="0">
               <a:ln w="0"/>
@@ -4152,7 +4189,7 @@
         </p:nvSpPr>
         <p:spPr>
           <a:xfrm>
-            <a:off x="2322681" y="5034239"/>
+            <a:off x="2364258" y="4982787"/>
             <a:ext cx="914400" cy="612648"/>
           </a:xfrm>
           <a:prstGeom prst="flowChartDocument">
@@ -4220,7 +4257,7 @@
         </p:nvSpPr>
         <p:spPr>
           <a:xfrm>
-            <a:off x="3471919" y="5034239"/>
+            <a:off x="3503137" y="4982787"/>
             <a:ext cx="914400" cy="612648"/>
           </a:xfrm>
           <a:prstGeom prst="flowChartDocument">
@@ -4876,7 +4913,7 @@
         </p:nvCxnSpPr>
         <p:spPr>
           <a:xfrm>
-            <a:off x="3292044" y="4394555"/>
+            <a:off x="3283806" y="4394555"/>
             <a:ext cx="230660" cy="0"/>
           </a:xfrm>
           <a:prstGeom prst="line">
@@ -4906,7 +4943,7 @@
         </p:nvCxnSpPr>
         <p:spPr>
           <a:xfrm>
-            <a:off x="3213781" y="5311938"/>
+            <a:off x="3264233" y="5275079"/>
             <a:ext cx="230660" cy="0"/>
           </a:xfrm>
           <a:prstGeom prst="line">
